--- a/Presentation/WIRE PRO.pptx
+++ b/Presentation/WIRE PRO.pptx
@@ -6,7 +6,7 @@
     <p:sldMasterId id="2147483972" r:id="rId2"/>
   </p:sldMasterIdLst>
   <p:notesMasterIdLst>
-    <p:notesMasterId r:id="rId19"/>
+    <p:notesMasterId r:id="rId20"/>
   </p:notesMasterIdLst>
   <p:sldIdLst>
     <p:sldId id="347" r:id="rId3"/>
@@ -23,8 +23,9 @@
     <p:sldId id="355" r:id="rId14"/>
     <p:sldId id="359" r:id="rId15"/>
     <p:sldId id="356" r:id="rId16"/>
-    <p:sldId id="360" r:id="rId17"/>
-    <p:sldId id="361" r:id="rId18"/>
+    <p:sldId id="362" r:id="rId17"/>
+    <p:sldId id="360" r:id="rId18"/>
+    <p:sldId id="361" r:id="rId19"/>
   </p:sldIdLst>
   <p:sldSz cx="9144000" cy="6858000" type="screen4x3"/>
   <p:notesSz cx="6858000" cy="9144000"/>
@@ -646,7 +647,7 @@
             <a:fld id="{61089E94-532B-494D-AD7A-712B16D9F5AA}" type="slidenum">
               <a:rPr lang="en-US" smtClean="0"/>
               <a:pPr/>
-              <a:t>16</a:t>
+              <a:t>17</a:t>
             </a:fld>
             <a:endParaRPr lang="en-US"/>
           </a:p>
@@ -7848,6 +7849,93 @@
           <p:cNvPr id="2" name="Title 1">
             <a:extLst>
               <a:ext uri="{FF2B5EF4-FFF2-40B4-BE49-F238E27FC236}">
+                <a16:creationId xmlns:a16="http://schemas.microsoft.com/office/drawing/2014/main" id="{429F5E11-B528-4901-89A2-6429C659B65A}"/>
+              </a:ext>
+            </a:extLst>
+          </p:cNvPr>
+          <p:cNvSpPr>
+            <a:spLocks noGrp="1"/>
+          </p:cNvSpPr>
+          <p:nvPr>
+            <p:ph type="title"/>
+          </p:nvPr>
+        </p:nvSpPr>
+        <p:spPr/>
+        <p:txBody>
+          <a:bodyPr/>
+          <a:lstStyle/>
+          <a:p>
+            <a:r>
+              <a:rPr lang="fr-FR" dirty="0"/>
+              <a:t>Site D’inspiration</a:t>
+            </a:r>
+            <a:endParaRPr lang="fr-MA" dirty="0"/>
+          </a:p>
+        </p:txBody>
+      </p:sp>
+      <p:sp>
+        <p:nvSpPr>
+          <p:cNvPr id="3" name="Content Placeholder 2">
+            <a:extLst>
+              <a:ext uri="{FF2B5EF4-FFF2-40B4-BE49-F238E27FC236}">
+                <a16:creationId xmlns:a16="http://schemas.microsoft.com/office/drawing/2014/main" id="{14C9EDF3-B0DE-4C75-AAF9-7493A1C1D729}"/>
+              </a:ext>
+            </a:extLst>
+          </p:cNvPr>
+          <p:cNvSpPr>
+            <a:spLocks noGrp="1"/>
+          </p:cNvSpPr>
+          <p:nvPr>
+            <p:ph idx="1"/>
+          </p:nvPr>
+        </p:nvSpPr>
+        <p:spPr/>
+        <p:txBody>
+          <a:bodyPr/>
+          <a:lstStyle/>
+          <a:p>
+            <a:r>
+              <a:rPr lang="fr-MA" dirty="0"/>
+              <a:t>https://www.restaurant-loft.com/</a:t>
+            </a:r>
+          </a:p>
+        </p:txBody>
+      </p:sp>
+    </p:spTree>
+    <p:extLst>
+      <p:ext uri="{BB962C8B-B14F-4D97-AF65-F5344CB8AC3E}">
+        <p14:creationId xmlns:p14="http://schemas.microsoft.com/office/powerpoint/2010/main" val="766431678"/>
+      </p:ext>
+    </p:extLst>
+  </p:cSld>
+  <p:clrMapOvr>
+    <a:masterClrMapping/>
+  </p:clrMapOvr>
+</p:sld>
+</file>
+
+<file path=ppt/slides/slide16.xml><?xml version="1.0" encoding="utf-8"?>
+<p:sld xmlns:a="http://schemas.openxmlformats.org/drawingml/2006/main" xmlns:r="http://schemas.openxmlformats.org/officeDocument/2006/relationships" xmlns:p="http://schemas.openxmlformats.org/presentationml/2006/main">
+  <p:cSld>
+    <p:spTree>
+      <p:nvGrpSpPr>
+        <p:cNvPr id="1" name=""/>
+        <p:cNvGrpSpPr/>
+        <p:nvPr/>
+      </p:nvGrpSpPr>
+      <p:grpSpPr>
+        <a:xfrm>
+          <a:off x="0" y="0"/>
+          <a:ext cx="0" cy="0"/>
+          <a:chOff x="0" y="0"/>
+          <a:chExt cx="0" cy="0"/>
+        </a:xfrm>
+      </p:grpSpPr>
+      <p:sp>
+        <p:nvSpPr>
+          <p:cNvPr id="2" name="Title 1">
+            <a:extLst>
+              <a:ext uri="{FF2B5EF4-FFF2-40B4-BE49-F238E27FC236}">
                 <a16:creationId xmlns:a16="http://schemas.microsoft.com/office/drawing/2014/main" id="{C7239274-FB77-4DEF-88F1-B560A9753138}"/>
               </a:ext>
             </a:extLst>
@@ -7953,7 +8041,7 @@
 </p:sld>
 </file>
 
-<file path=ppt/slides/slide16.xml><?xml version="1.0" encoding="utf-8"?>
+<file path=ppt/slides/slide17.xml><?xml version="1.0" encoding="utf-8"?>
 <p:sld xmlns:a="http://schemas.openxmlformats.org/drawingml/2006/main" xmlns:r="http://schemas.openxmlformats.org/officeDocument/2006/relationships" xmlns:p="http://schemas.openxmlformats.org/presentationml/2006/main">
   <p:cSld>
     <p:spTree>

--- a/Presentation/WIRE PRO.pptx
+++ b/Presentation/WIRE PRO.pptx
@@ -6,7 +6,7 @@
     <p:sldMasterId id="2147483972" r:id="rId2"/>
   </p:sldMasterIdLst>
   <p:notesMasterIdLst>
-    <p:notesMasterId r:id="rId20"/>
+    <p:notesMasterId r:id="rId19"/>
   </p:notesMasterIdLst>
   <p:sldIdLst>
     <p:sldId id="347" r:id="rId3"/>
@@ -23,9 +23,8 @@
     <p:sldId id="355" r:id="rId14"/>
     <p:sldId id="359" r:id="rId15"/>
     <p:sldId id="356" r:id="rId16"/>
-    <p:sldId id="362" r:id="rId17"/>
-    <p:sldId id="360" r:id="rId18"/>
-    <p:sldId id="361" r:id="rId19"/>
+    <p:sldId id="360" r:id="rId17"/>
+    <p:sldId id="361" r:id="rId18"/>
   </p:sldIdLst>
   <p:sldSz cx="9144000" cy="6858000" type="screen4x3"/>
   <p:notesSz cx="6858000" cy="9144000"/>
@@ -226,7 +225,7 @@
             <a:fld id="{B6EA6E38-82B1-47BB-A812-313B295FEFF2}" type="datetimeFigureOut">
               <a:rPr lang="en-US" smtClean="0"/>
               <a:pPr/>
-              <a:t>11/30/2019</a:t>
+              <a:t>12/2/2019</a:t>
             </a:fld>
             <a:endParaRPr lang="en-US"/>
           </a:p>
@@ -647,7 +646,7 @@
             <a:fld id="{61089E94-532B-494D-AD7A-712B16D9F5AA}" type="slidenum">
               <a:rPr lang="en-US" smtClean="0"/>
               <a:pPr/>
-              <a:t>17</a:t>
+              <a:t>16</a:t>
             </a:fld>
             <a:endParaRPr lang="en-US"/>
           </a:p>
@@ -846,7 +845,7 @@
             <a:fld id="{BE3545F7-77F9-4401-AA0E-BF14C26D8903}" type="datetimeFigureOut">
               <a:rPr lang="en-US" smtClean="0"/>
               <a:pPr/>
-              <a:t>11/30/2019</a:t>
+              <a:t>12/2/2019</a:t>
             </a:fld>
             <a:endParaRPr lang="en-US"/>
           </a:p>
@@ -1011,7 +1010,7 @@
             <a:fld id="{BE3545F7-77F9-4401-AA0E-BF14C26D8903}" type="datetimeFigureOut">
               <a:rPr lang="en-US" smtClean="0"/>
               <a:pPr/>
-              <a:t>11/30/2019</a:t>
+              <a:t>12/2/2019</a:t>
             </a:fld>
             <a:endParaRPr lang="en-US"/>
           </a:p>
@@ -1186,7 +1185,7 @@
             <a:fld id="{BE3545F7-77F9-4401-AA0E-BF14C26D8903}" type="datetimeFigureOut">
               <a:rPr lang="en-US" smtClean="0"/>
               <a:pPr/>
-              <a:t>11/30/2019</a:t>
+              <a:t>12/2/2019</a:t>
             </a:fld>
             <a:endParaRPr lang="en-US"/>
           </a:p>
@@ -1429,7 +1428,7 @@
                 </a:solidFill>
               </a:rPr>
               <a:pPr/>
-              <a:t>11/30/2019</a:t>
+              <a:t>12/2/2019</a:t>
             </a:fld>
             <a:endParaRPr lang="en-US">
               <a:solidFill>
@@ -1629,7 +1628,7 @@
                 </a:solidFill>
               </a:rPr>
               <a:pPr/>
-              <a:t>11/30/2019</a:t>
+              <a:t>12/2/2019</a:t>
             </a:fld>
             <a:endParaRPr lang="en-US">
               <a:solidFill>
@@ -1906,7 +1905,7 @@
                 </a:solidFill>
               </a:rPr>
               <a:pPr/>
-              <a:t>11/30/2019</a:t>
+              <a:t>12/2/2019</a:t>
             </a:fld>
             <a:endParaRPr lang="en-US">
               <a:solidFill>
@@ -2223,7 +2222,7 @@
                 </a:solidFill>
               </a:rPr>
               <a:pPr/>
-              <a:t>11/30/2019</a:t>
+              <a:t>12/2/2019</a:t>
             </a:fld>
             <a:endParaRPr lang="en-US">
               <a:solidFill>
@@ -2674,7 +2673,7 @@
                 </a:solidFill>
               </a:rPr>
               <a:pPr/>
-              <a:t>11/30/2019</a:t>
+              <a:t>12/2/2019</a:t>
             </a:fld>
             <a:endParaRPr lang="en-US">
               <a:solidFill>
@@ -2823,7 +2822,7 @@
                 </a:solidFill>
               </a:rPr>
               <a:pPr/>
-              <a:t>11/30/2019</a:t>
+              <a:t>12/2/2019</a:t>
             </a:fld>
             <a:endParaRPr lang="en-US">
               <a:solidFill>
@@ -2950,7 +2949,7 @@
                 </a:solidFill>
               </a:rPr>
               <a:pPr/>
-              <a:t>11/30/2019</a:t>
+              <a:t>12/2/2019</a:t>
             </a:fld>
             <a:endParaRPr lang="en-US">
               <a:solidFill>
@@ -3257,7 +3256,7 @@
                 </a:solidFill>
               </a:rPr>
               <a:pPr/>
-              <a:t>11/30/2019</a:t>
+              <a:t>12/2/2019</a:t>
             </a:fld>
             <a:endParaRPr lang="en-US">
               <a:solidFill>
@@ -3451,7 +3450,7 @@
             <a:fld id="{BE3545F7-77F9-4401-AA0E-BF14C26D8903}" type="datetimeFigureOut">
               <a:rPr lang="en-US" smtClean="0"/>
               <a:pPr/>
-              <a:t>11/30/2019</a:t>
+              <a:t>12/2/2019</a:t>
             </a:fld>
             <a:endParaRPr lang="en-US"/>
           </a:p>
@@ -3706,7 +3705,7 @@
                 </a:solidFill>
               </a:rPr>
               <a:pPr/>
-              <a:t>11/30/2019</a:t>
+              <a:t>12/2/2019</a:t>
             </a:fld>
             <a:endParaRPr lang="en-US">
               <a:solidFill>
@@ -3906,7 +3905,7 @@
                 </a:solidFill>
               </a:rPr>
               <a:pPr/>
-              <a:t>11/30/2019</a:t>
+              <a:t>12/2/2019</a:t>
             </a:fld>
             <a:endParaRPr lang="en-US">
               <a:solidFill>
@@ -4116,7 +4115,7 @@
                 </a:solidFill>
               </a:rPr>
               <a:pPr/>
-              <a:t>11/30/2019</a:t>
+              <a:t>12/2/2019</a:t>
             </a:fld>
             <a:endParaRPr lang="en-US">
               <a:solidFill>
@@ -4387,7 +4386,7 @@
             <a:fld id="{BE3545F7-77F9-4401-AA0E-BF14C26D8903}" type="datetimeFigureOut">
               <a:rPr lang="en-US" smtClean="0"/>
               <a:pPr/>
-              <a:t>11/30/2019</a:t>
+              <a:t>12/2/2019</a:t>
             </a:fld>
             <a:endParaRPr lang="en-US"/>
           </a:p>
@@ -4669,7 +4668,7 @@
             <a:fld id="{BE3545F7-77F9-4401-AA0E-BF14C26D8903}" type="datetimeFigureOut">
               <a:rPr lang="en-US" smtClean="0"/>
               <a:pPr/>
-              <a:t>11/30/2019</a:t>
+              <a:t>12/2/2019</a:t>
             </a:fld>
             <a:endParaRPr lang="en-US"/>
           </a:p>
@@ -5085,7 +5084,7 @@
             <a:fld id="{BE3545F7-77F9-4401-AA0E-BF14C26D8903}" type="datetimeFigureOut">
               <a:rPr lang="en-US" smtClean="0"/>
               <a:pPr/>
-              <a:t>11/30/2019</a:t>
+              <a:t>12/2/2019</a:t>
             </a:fld>
             <a:endParaRPr lang="en-US"/>
           </a:p>
@@ -5199,7 +5198,7 @@
             <a:fld id="{BE3545F7-77F9-4401-AA0E-BF14C26D8903}" type="datetimeFigureOut">
               <a:rPr lang="en-US" smtClean="0"/>
               <a:pPr/>
-              <a:t>11/30/2019</a:t>
+              <a:t>12/2/2019</a:t>
             </a:fld>
             <a:endParaRPr lang="en-US"/>
           </a:p>
@@ -5291,7 +5290,7 @@
             <a:fld id="{BE3545F7-77F9-4401-AA0E-BF14C26D8903}" type="datetimeFigureOut">
               <a:rPr lang="en-US" smtClean="0"/>
               <a:pPr/>
-              <a:t>11/30/2019</a:t>
+              <a:t>12/2/2019</a:t>
             </a:fld>
             <a:endParaRPr lang="en-US"/>
           </a:p>
@@ -5563,7 +5562,7 @@
             <a:fld id="{BE3545F7-77F9-4401-AA0E-BF14C26D8903}" type="datetimeFigureOut">
               <a:rPr lang="en-US" smtClean="0"/>
               <a:pPr/>
-              <a:t>11/30/2019</a:t>
+              <a:t>12/2/2019</a:t>
             </a:fld>
             <a:endParaRPr lang="en-US"/>
           </a:p>
@@ -5812,7 +5811,7 @@
             <a:fld id="{BE3545F7-77F9-4401-AA0E-BF14C26D8903}" type="datetimeFigureOut">
               <a:rPr lang="en-US" smtClean="0"/>
               <a:pPr/>
-              <a:t>11/30/2019</a:t>
+              <a:t>12/2/2019</a:t>
             </a:fld>
             <a:endParaRPr lang="en-US"/>
           </a:p>
@@ -6029,7 +6028,7 @@
             <a:fld id="{BE3545F7-77F9-4401-AA0E-BF14C26D8903}" type="datetimeFigureOut">
               <a:rPr lang="en-US" smtClean="0"/>
               <a:pPr/>
-              <a:t>11/30/2019</a:t>
+              <a:t>12/2/2019</a:t>
             </a:fld>
             <a:endParaRPr lang="en-US"/>
           </a:p>
@@ -6549,7 +6548,7 @@
                 </a:solidFill>
               </a:rPr>
               <a:pPr/>
-              <a:t>11/30/2019</a:t>
+              <a:t>12/2/2019</a:t>
             </a:fld>
             <a:endParaRPr lang="en-US">
               <a:solidFill>
@@ -7142,7 +7141,7 @@
           <a:p>
             <a:r>
               <a:rPr lang="fr-FR" dirty="0"/>
-              <a:t>Page d’ACCUEL</a:t>
+              <a:t>Page d’ACCUEIL</a:t>
             </a:r>
             <a:endParaRPr lang="fr-MA" dirty="0"/>
           </a:p>
@@ -7849,93 +7848,6 @@
           <p:cNvPr id="2" name="Title 1">
             <a:extLst>
               <a:ext uri="{FF2B5EF4-FFF2-40B4-BE49-F238E27FC236}">
-                <a16:creationId xmlns:a16="http://schemas.microsoft.com/office/drawing/2014/main" id="{429F5E11-B528-4901-89A2-6429C659B65A}"/>
-              </a:ext>
-            </a:extLst>
-          </p:cNvPr>
-          <p:cNvSpPr>
-            <a:spLocks noGrp="1"/>
-          </p:cNvSpPr>
-          <p:nvPr>
-            <p:ph type="title"/>
-          </p:nvPr>
-        </p:nvSpPr>
-        <p:spPr/>
-        <p:txBody>
-          <a:bodyPr/>
-          <a:lstStyle/>
-          <a:p>
-            <a:r>
-              <a:rPr lang="fr-FR" dirty="0"/>
-              <a:t>Site D’inspiration</a:t>
-            </a:r>
-            <a:endParaRPr lang="fr-MA" dirty="0"/>
-          </a:p>
-        </p:txBody>
-      </p:sp>
-      <p:sp>
-        <p:nvSpPr>
-          <p:cNvPr id="3" name="Content Placeholder 2">
-            <a:extLst>
-              <a:ext uri="{FF2B5EF4-FFF2-40B4-BE49-F238E27FC236}">
-                <a16:creationId xmlns:a16="http://schemas.microsoft.com/office/drawing/2014/main" id="{14C9EDF3-B0DE-4C75-AAF9-7493A1C1D729}"/>
-              </a:ext>
-            </a:extLst>
-          </p:cNvPr>
-          <p:cNvSpPr>
-            <a:spLocks noGrp="1"/>
-          </p:cNvSpPr>
-          <p:nvPr>
-            <p:ph idx="1"/>
-          </p:nvPr>
-        </p:nvSpPr>
-        <p:spPr/>
-        <p:txBody>
-          <a:bodyPr/>
-          <a:lstStyle/>
-          <a:p>
-            <a:r>
-              <a:rPr lang="fr-MA" dirty="0"/>
-              <a:t>https://www.restaurant-loft.com/</a:t>
-            </a:r>
-          </a:p>
-        </p:txBody>
-      </p:sp>
-    </p:spTree>
-    <p:extLst>
-      <p:ext uri="{BB962C8B-B14F-4D97-AF65-F5344CB8AC3E}">
-        <p14:creationId xmlns:p14="http://schemas.microsoft.com/office/powerpoint/2010/main" val="766431678"/>
-      </p:ext>
-    </p:extLst>
-  </p:cSld>
-  <p:clrMapOvr>
-    <a:masterClrMapping/>
-  </p:clrMapOvr>
-</p:sld>
-</file>
-
-<file path=ppt/slides/slide16.xml><?xml version="1.0" encoding="utf-8"?>
-<p:sld xmlns:a="http://schemas.openxmlformats.org/drawingml/2006/main" xmlns:r="http://schemas.openxmlformats.org/officeDocument/2006/relationships" xmlns:p="http://schemas.openxmlformats.org/presentationml/2006/main">
-  <p:cSld>
-    <p:spTree>
-      <p:nvGrpSpPr>
-        <p:cNvPr id="1" name=""/>
-        <p:cNvGrpSpPr/>
-        <p:nvPr/>
-      </p:nvGrpSpPr>
-      <p:grpSpPr>
-        <a:xfrm>
-          <a:off x="0" y="0"/>
-          <a:ext cx="0" cy="0"/>
-          <a:chOff x="0" y="0"/>
-          <a:chExt cx="0" cy="0"/>
-        </a:xfrm>
-      </p:grpSpPr>
-      <p:sp>
-        <p:nvSpPr>
-          <p:cNvPr id="2" name="Title 1">
-            <a:extLst>
-              <a:ext uri="{FF2B5EF4-FFF2-40B4-BE49-F238E27FC236}">
                 <a16:creationId xmlns:a16="http://schemas.microsoft.com/office/drawing/2014/main" id="{C7239274-FB77-4DEF-88F1-B560A9753138}"/>
               </a:ext>
             </a:extLst>
@@ -8041,7 +7953,7 @@
 </p:sld>
 </file>
 
-<file path=ppt/slides/slide17.xml><?xml version="1.0" encoding="utf-8"?>
+<file path=ppt/slides/slide16.xml><?xml version="1.0" encoding="utf-8"?>
 <p:sld xmlns:a="http://schemas.openxmlformats.org/drawingml/2006/main" xmlns:r="http://schemas.openxmlformats.org/officeDocument/2006/relationships" xmlns:p="http://schemas.openxmlformats.org/presentationml/2006/main">
   <p:cSld>
     <p:spTree>
@@ -9981,8 +9893,12 @@
           </a:lstStyle>
           <a:p>
             <a:r>
+              <a:rPr lang="fr-FR" dirty="0"/>
+              <a:t>Site Final </a:t>
+            </a:r>
+            <a:r>
               <a:rPr lang="fr-FR"/>
-              <a:t>Site Final Version Desktop</a:t>
+              <a:t>Version Mobile</a:t>
             </a:r>
             <a:endParaRPr lang="fr-MA" dirty="0"/>
           </a:p>

--- a/Presentation/WIRE PRO.pptx
+++ b/Presentation/WIRE PRO.pptx
@@ -225,7 +225,7 @@
             <a:fld id="{B6EA6E38-82B1-47BB-A812-313B295FEFF2}" type="datetimeFigureOut">
               <a:rPr lang="en-US" smtClean="0"/>
               <a:pPr/>
-              <a:t>12/2/2019</a:t>
+              <a:t>12/3/2019</a:t>
             </a:fld>
             <a:endParaRPr lang="en-US"/>
           </a:p>
@@ -845,7 +845,7 @@
             <a:fld id="{BE3545F7-77F9-4401-AA0E-BF14C26D8903}" type="datetimeFigureOut">
               <a:rPr lang="en-US" smtClean="0"/>
               <a:pPr/>
-              <a:t>12/2/2019</a:t>
+              <a:t>12/3/2019</a:t>
             </a:fld>
             <a:endParaRPr lang="en-US"/>
           </a:p>
@@ -1010,7 +1010,7 @@
             <a:fld id="{BE3545F7-77F9-4401-AA0E-BF14C26D8903}" type="datetimeFigureOut">
               <a:rPr lang="en-US" smtClean="0"/>
               <a:pPr/>
-              <a:t>12/2/2019</a:t>
+              <a:t>12/3/2019</a:t>
             </a:fld>
             <a:endParaRPr lang="en-US"/>
           </a:p>
@@ -1185,7 +1185,7 @@
             <a:fld id="{BE3545F7-77F9-4401-AA0E-BF14C26D8903}" type="datetimeFigureOut">
               <a:rPr lang="en-US" smtClean="0"/>
               <a:pPr/>
-              <a:t>12/2/2019</a:t>
+              <a:t>12/3/2019</a:t>
             </a:fld>
             <a:endParaRPr lang="en-US"/>
           </a:p>
@@ -1428,7 +1428,7 @@
                 </a:solidFill>
               </a:rPr>
               <a:pPr/>
-              <a:t>12/2/2019</a:t>
+              <a:t>12/3/2019</a:t>
             </a:fld>
             <a:endParaRPr lang="en-US">
               <a:solidFill>
@@ -1628,7 +1628,7 @@
                 </a:solidFill>
               </a:rPr>
               <a:pPr/>
-              <a:t>12/2/2019</a:t>
+              <a:t>12/3/2019</a:t>
             </a:fld>
             <a:endParaRPr lang="en-US">
               <a:solidFill>
@@ -1905,7 +1905,7 @@
                 </a:solidFill>
               </a:rPr>
               <a:pPr/>
-              <a:t>12/2/2019</a:t>
+              <a:t>12/3/2019</a:t>
             </a:fld>
             <a:endParaRPr lang="en-US">
               <a:solidFill>
@@ -2222,7 +2222,7 @@
                 </a:solidFill>
               </a:rPr>
               <a:pPr/>
-              <a:t>12/2/2019</a:t>
+              <a:t>12/3/2019</a:t>
             </a:fld>
             <a:endParaRPr lang="en-US">
               <a:solidFill>
@@ -2673,7 +2673,7 @@
                 </a:solidFill>
               </a:rPr>
               <a:pPr/>
-              <a:t>12/2/2019</a:t>
+              <a:t>12/3/2019</a:t>
             </a:fld>
             <a:endParaRPr lang="en-US">
               <a:solidFill>
@@ -2822,7 +2822,7 @@
                 </a:solidFill>
               </a:rPr>
               <a:pPr/>
-              <a:t>12/2/2019</a:t>
+              <a:t>12/3/2019</a:t>
             </a:fld>
             <a:endParaRPr lang="en-US">
               <a:solidFill>
@@ -2949,7 +2949,7 @@
                 </a:solidFill>
               </a:rPr>
               <a:pPr/>
-              <a:t>12/2/2019</a:t>
+              <a:t>12/3/2019</a:t>
             </a:fld>
             <a:endParaRPr lang="en-US">
               <a:solidFill>
@@ -3256,7 +3256,7 @@
                 </a:solidFill>
               </a:rPr>
               <a:pPr/>
-              <a:t>12/2/2019</a:t>
+              <a:t>12/3/2019</a:t>
             </a:fld>
             <a:endParaRPr lang="en-US">
               <a:solidFill>
@@ -3450,7 +3450,7 @@
             <a:fld id="{BE3545F7-77F9-4401-AA0E-BF14C26D8903}" type="datetimeFigureOut">
               <a:rPr lang="en-US" smtClean="0"/>
               <a:pPr/>
-              <a:t>12/2/2019</a:t>
+              <a:t>12/3/2019</a:t>
             </a:fld>
             <a:endParaRPr lang="en-US"/>
           </a:p>
@@ -3705,7 +3705,7 @@
                 </a:solidFill>
               </a:rPr>
               <a:pPr/>
-              <a:t>12/2/2019</a:t>
+              <a:t>12/3/2019</a:t>
             </a:fld>
             <a:endParaRPr lang="en-US">
               <a:solidFill>
@@ -3905,7 +3905,7 @@
                 </a:solidFill>
               </a:rPr>
               <a:pPr/>
-              <a:t>12/2/2019</a:t>
+              <a:t>12/3/2019</a:t>
             </a:fld>
             <a:endParaRPr lang="en-US">
               <a:solidFill>
@@ -4115,7 +4115,7 @@
                 </a:solidFill>
               </a:rPr>
               <a:pPr/>
-              <a:t>12/2/2019</a:t>
+              <a:t>12/3/2019</a:t>
             </a:fld>
             <a:endParaRPr lang="en-US">
               <a:solidFill>
@@ -4386,7 +4386,7 @@
             <a:fld id="{BE3545F7-77F9-4401-AA0E-BF14C26D8903}" type="datetimeFigureOut">
               <a:rPr lang="en-US" smtClean="0"/>
               <a:pPr/>
-              <a:t>12/2/2019</a:t>
+              <a:t>12/3/2019</a:t>
             </a:fld>
             <a:endParaRPr lang="en-US"/>
           </a:p>
@@ -4668,7 +4668,7 @@
             <a:fld id="{BE3545F7-77F9-4401-AA0E-BF14C26D8903}" type="datetimeFigureOut">
               <a:rPr lang="en-US" smtClean="0"/>
               <a:pPr/>
-              <a:t>12/2/2019</a:t>
+              <a:t>12/3/2019</a:t>
             </a:fld>
             <a:endParaRPr lang="en-US"/>
           </a:p>
@@ -5084,7 +5084,7 @@
             <a:fld id="{BE3545F7-77F9-4401-AA0E-BF14C26D8903}" type="datetimeFigureOut">
               <a:rPr lang="en-US" smtClean="0"/>
               <a:pPr/>
-              <a:t>12/2/2019</a:t>
+              <a:t>12/3/2019</a:t>
             </a:fld>
             <a:endParaRPr lang="en-US"/>
           </a:p>
@@ -5198,7 +5198,7 @@
             <a:fld id="{BE3545F7-77F9-4401-AA0E-BF14C26D8903}" type="datetimeFigureOut">
               <a:rPr lang="en-US" smtClean="0"/>
               <a:pPr/>
-              <a:t>12/2/2019</a:t>
+              <a:t>12/3/2019</a:t>
             </a:fld>
             <a:endParaRPr lang="en-US"/>
           </a:p>
@@ -5290,7 +5290,7 @@
             <a:fld id="{BE3545F7-77F9-4401-AA0E-BF14C26D8903}" type="datetimeFigureOut">
               <a:rPr lang="en-US" smtClean="0"/>
               <a:pPr/>
-              <a:t>12/2/2019</a:t>
+              <a:t>12/3/2019</a:t>
             </a:fld>
             <a:endParaRPr lang="en-US"/>
           </a:p>
@@ -5562,7 +5562,7 @@
             <a:fld id="{BE3545F7-77F9-4401-AA0E-BF14C26D8903}" type="datetimeFigureOut">
               <a:rPr lang="en-US" smtClean="0"/>
               <a:pPr/>
-              <a:t>12/2/2019</a:t>
+              <a:t>12/3/2019</a:t>
             </a:fld>
             <a:endParaRPr lang="en-US"/>
           </a:p>
@@ -5811,7 +5811,7 @@
             <a:fld id="{BE3545F7-77F9-4401-AA0E-BF14C26D8903}" type="datetimeFigureOut">
               <a:rPr lang="en-US" smtClean="0"/>
               <a:pPr/>
-              <a:t>12/2/2019</a:t>
+              <a:t>12/3/2019</a:t>
             </a:fld>
             <a:endParaRPr lang="en-US"/>
           </a:p>
@@ -6028,7 +6028,7 @@
             <a:fld id="{BE3545F7-77F9-4401-AA0E-BF14C26D8903}" type="datetimeFigureOut">
               <a:rPr lang="en-US" smtClean="0"/>
               <a:pPr/>
-              <a:t>12/2/2019</a:t>
+              <a:t>12/3/2019</a:t>
             </a:fld>
             <a:endParaRPr lang="en-US"/>
           </a:p>
@@ -6548,7 +6548,7 @@
                 </a:solidFill>
               </a:rPr>
               <a:pPr/>
-              <a:t>12/2/2019</a:t>
+              <a:t>12/3/2019</a:t>
             </a:fld>
             <a:endParaRPr lang="en-US">
               <a:solidFill>
@@ -7021,7 +7021,42 @@
                   </a:schemeClr>
                 </a:solidFill>
               </a:rPr>
-              <a:t> d’un site web “Restaurant LOFT”</a:t>
+              <a:t> d’un </a:t>
+            </a:r>
+            <a:r>
+              <a:rPr lang="en-US" sz="3200">
+                <a:solidFill>
+                  <a:schemeClr val="tx1">
+                    <a:lumMod val="75000"/>
+                    <a:lumOff val="25000"/>
+                  </a:schemeClr>
+                </a:solidFill>
+              </a:rPr>
+              <a:t>site web</a:t>
+            </a:r>
+          </a:p>
+          <a:p>
+            <a:r>
+              <a:rPr lang="en-US" sz="3200">
+                <a:solidFill>
+                  <a:schemeClr val="tx1">
+                    <a:lumMod val="75000"/>
+                    <a:lumOff val="25000"/>
+                  </a:schemeClr>
+                </a:solidFill>
+              </a:rPr>
+              <a:t> </a:t>
+            </a:r>
+            <a:r>
+              <a:rPr lang="en-US" sz="3200" dirty="0">
+                <a:solidFill>
+                  <a:schemeClr val="tx1">
+                    <a:lumMod val="75000"/>
+                    <a:lumOff val="25000"/>
+                  </a:schemeClr>
+                </a:solidFill>
+              </a:rPr>
+              <a:t>“Restaurant LOFT”</a:t>
             </a:r>
             <a:endParaRPr lang="ru-RU" sz="3200" dirty="0">
               <a:solidFill>
